--- a/projects/Project-2.pptx
+++ b/projects/Project-2.pptx
@@ -107,6 +107,11 @@
       </a:defRPr>
     </a:lvl9pPr>
   </p:defaultTextStyle>
+  <p:extLst>
+    <p:ext uri="{EFAFB233-063F-42B5-8137-9DF3F51BA10A}">
+      <p15:sldGuideLst xmlns:p15="http://schemas.microsoft.com/office/powerpoint/2012/main"/>
+    </p:ext>
+  </p:extLst>
 </p:presentation>
 </file>
 
@@ -257,7 +262,7 @@
           <a:p>
             <a:fld id="{274909C0-5740-45AC-BAE0-125CCC121810}" type="datetimeFigureOut">
               <a:rPr lang="en-US" smtClean="0"/>
-              <a:t>4/29/2020</a:t>
+              <a:t>4/30/2020</a:t>
             </a:fld>
             <a:endParaRPr lang="en-US"/>
           </a:p>
@@ -455,7 +460,7 @@
           <a:p>
             <a:fld id="{274909C0-5740-45AC-BAE0-125CCC121810}" type="datetimeFigureOut">
               <a:rPr lang="en-US" smtClean="0"/>
-              <a:t>4/29/2020</a:t>
+              <a:t>4/30/2020</a:t>
             </a:fld>
             <a:endParaRPr lang="en-US"/>
           </a:p>
@@ -663,7 +668,7 @@
           <a:p>
             <a:fld id="{274909C0-5740-45AC-BAE0-125CCC121810}" type="datetimeFigureOut">
               <a:rPr lang="en-US" smtClean="0"/>
-              <a:t>4/29/2020</a:t>
+              <a:t>4/30/2020</a:t>
             </a:fld>
             <a:endParaRPr lang="en-US"/>
           </a:p>
@@ -861,7 +866,7 @@
           <a:p>
             <a:fld id="{274909C0-5740-45AC-BAE0-125CCC121810}" type="datetimeFigureOut">
               <a:rPr lang="en-US" smtClean="0"/>
-              <a:t>4/29/2020</a:t>
+              <a:t>4/30/2020</a:t>
             </a:fld>
             <a:endParaRPr lang="en-US"/>
           </a:p>
@@ -1136,7 +1141,7 @@
           <a:p>
             <a:fld id="{274909C0-5740-45AC-BAE0-125CCC121810}" type="datetimeFigureOut">
               <a:rPr lang="en-US" smtClean="0"/>
-              <a:t>4/29/2020</a:t>
+              <a:t>4/30/2020</a:t>
             </a:fld>
             <a:endParaRPr lang="en-US"/>
           </a:p>
@@ -1401,7 +1406,7 @@
           <a:p>
             <a:fld id="{274909C0-5740-45AC-BAE0-125CCC121810}" type="datetimeFigureOut">
               <a:rPr lang="en-US" smtClean="0"/>
-              <a:t>4/29/2020</a:t>
+              <a:t>4/30/2020</a:t>
             </a:fld>
             <a:endParaRPr lang="en-US"/>
           </a:p>
@@ -1813,7 +1818,7 @@
           <a:p>
             <a:fld id="{274909C0-5740-45AC-BAE0-125CCC121810}" type="datetimeFigureOut">
               <a:rPr lang="en-US" smtClean="0"/>
-              <a:t>4/29/2020</a:t>
+              <a:t>4/30/2020</a:t>
             </a:fld>
             <a:endParaRPr lang="en-US"/>
           </a:p>
@@ -1954,7 +1959,7 @@
           <a:p>
             <a:fld id="{274909C0-5740-45AC-BAE0-125CCC121810}" type="datetimeFigureOut">
               <a:rPr lang="en-US" smtClean="0"/>
-              <a:t>4/29/2020</a:t>
+              <a:t>4/30/2020</a:t>
             </a:fld>
             <a:endParaRPr lang="en-US"/>
           </a:p>
@@ -2067,7 +2072,7 @@
           <a:p>
             <a:fld id="{274909C0-5740-45AC-BAE0-125CCC121810}" type="datetimeFigureOut">
               <a:rPr lang="en-US" smtClean="0"/>
-              <a:t>4/29/2020</a:t>
+              <a:t>4/30/2020</a:t>
             </a:fld>
             <a:endParaRPr lang="en-US"/>
           </a:p>
@@ -2378,7 +2383,7 @@
           <a:p>
             <a:fld id="{274909C0-5740-45AC-BAE0-125CCC121810}" type="datetimeFigureOut">
               <a:rPr lang="en-US" smtClean="0"/>
-              <a:t>4/29/2020</a:t>
+              <a:t>4/30/2020</a:t>
             </a:fld>
             <a:endParaRPr lang="en-US"/>
           </a:p>
@@ -2666,7 +2671,7 @@
           <a:p>
             <a:fld id="{274909C0-5740-45AC-BAE0-125CCC121810}" type="datetimeFigureOut">
               <a:rPr lang="en-US" smtClean="0"/>
-              <a:t>4/29/2020</a:t>
+              <a:t>4/30/2020</a:t>
             </a:fld>
             <a:endParaRPr lang="en-US"/>
           </a:p>
@@ -2907,7 +2912,7 @@
           <a:p>
             <a:fld id="{274909C0-5740-45AC-BAE0-125CCC121810}" type="datetimeFigureOut">
               <a:rPr lang="en-US" smtClean="0"/>
-              <a:t>4/29/2020</a:t>
+              <a:t>4/30/2020</a:t>
             </a:fld>
             <a:endParaRPr lang="en-US"/>
           </a:p>
@@ -6979,7 +6984,7 @@
                 <a:latin typeface="Times New Roman" panose="02020603050405020304" pitchFamily="18" charset="0"/>
                 <a:cs typeface="Times New Roman" panose="02020603050405020304" pitchFamily="18" charset="0"/>
               </a:rPr>
-              <a:t>You are given experimental data on the drag coefficients of each design. Your job is to get the drag coefficient and calculate power values, savings, and metrics of comparison. More is described in the emails sent by the project manager.</a:t>
+              <a:t>You are given experimental data on the drag coefficients of each design. Your job is to get the drag coefficients and calculate power values, savings, and metrics of comparisons. More is described in the emails sent by the project manager.</a:t>
             </a:r>
           </a:p>
           <a:p>
@@ -7003,7 +7008,7 @@
                 <a:latin typeface="Times New Roman" panose="02020603050405020304" pitchFamily="18" charset="0"/>
                 <a:cs typeface="Times New Roman" panose="02020603050405020304" pitchFamily="18" charset="0"/>
               </a:rPr>
-              <a:t>With the givens power requirement now move into sizing an optimum fuel pump. You are given pump performance data, efficiency data, combustion data and more. Remember you want to get the operating point as close as you can to the BEP of the pump. </a:t>
+              <a:t>With the givens power requirement now move into sizing an optimum fuel pump. You are given pump performance data, efficiency data, combustion data and more. Remember you want to get the operating point as close as you can to the BEP of the pump. Use your imagination as to how to do this. </a:t>
             </a:r>
           </a:p>
         </p:txBody>
@@ -7287,7 +7292,7 @@
         <p:spPr>
           <a:xfrm>
             <a:off x="530088" y="583786"/>
-            <a:ext cx="6569766" cy="5847755"/>
+            <a:ext cx="6569766" cy="6063198"/>
           </a:xfrm>
           <a:prstGeom prst="rect">
             <a:avLst/>
@@ -7405,16 +7410,21 @@
                 <a:latin typeface="Times New Roman" panose="02020603050405020304" pitchFamily="18" charset="0"/>
                 <a:cs typeface="Times New Roman" panose="02020603050405020304" pitchFamily="18" charset="0"/>
               </a:rPr>
-              <a:t>	Swedish by descent and learned chemistry at not the most verbal engineer. </a:t>
-            </a:r>
-          </a:p>
-          <a:p>
+              <a:t>	Swedish by descent and learned chem </a:t>
+            </a:r>
+            <a:r>
+              <a:rPr lang="en-US" sz="1400" dirty="0" err="1">
+                <a:latin typeface="Times New Roman" panose="02020603050405020304" pitchFamily="18" charset="0"/>
+                <a:cs typeface="Times New Roman" panose="02020603050405020304" pitchFamily="18" charset="0"/>
+              </a:rPr>
+              <a:t>eng.</a:t>
+            </a:r>
             <a:r>
               <a:rPr lang="en-US" sz="1400" dirty="0">
                 <a:latin typeface="Times New Roman" panose="02020603050405020304" pitchFamily="18" charset="0"/>
                 <a:cs typeface="Times New Roman" panose="02020603050405020304" pitchFamily="18" charset="0"/>
               </a:rPr>
-              <a:t>	He has developed fuel additives that have increased yields twice in his 	career. He is a great resource for properties of the fuel and measurements</a:t>
+              <a:t> at Stanford, not the most vocal 	engineer. He has developed fuel additives that have increased yields twice in 	his career. He is a great resource for properties of the fuel and measurement 	methods.</a:t>
             </a:r>
           </a:p>
           <a:p>
@@ -7429,7 +7439,7 @@
                 <a:latin typeface="Times New Roman" panose="02020603050405020304" pitchFamily="18" charset="0"/>
                 <a:cs typeface="Times New Roman" panose="02020603050405020304" pitchFamily="18" charset="0"/>
               </a:rPr>
-              <a:t>NOTE: I was going to make fake emails so these characters could act like NPCs in video games or D&amp;D campaigns….but I decided to drop that idea and just get it done. I also didn’t know if it was worth it to go through that cause some may not want to treat this like a video game. There is even a “cheat-code” I worked into this game. I realized part way through all this maybe its not fair cause some people don’t like video games so what’s left is just the story. </a:t>
+              <a:t>NOTE: I was going to make fake emails so these characters could act like NPCs in video games or D&amp;D campaigns….but I decided to drop that idea and just get it done. I also didn’t know if it was worth it to go through all that that cause some may not want to treat this like a video game. There is even a “cheat-code” I worked into this game. I realized part way through all this maybe is not fair cause some people don’t like video games so what’s left is just the story. </a:t>
             </a:r>
           </a:p>
         </p:txBody>
@@ -7479,7 +7489,7 @@
         <p:spPr>
           <a:xfrm>
             <a:off x="470452" y="428178"/>
-            <a:ext cx="5155096" cy="4955203"/>
+            <a:ext cx="5155096" cy="4708981"/>
           </a:xfrm>
           <a:prstGeom prst="rect">
             <a:avLst/>
@@ -7507,31 +7517,68 @@
             </a:endParaRPr>
           </a:p>
           <a:p>
+            <a:pPr marL="457200" indent="-457200">
+              <a:buAutoNum type="arabicParenR"/>
+            </a:pPr>
             <a:r>
               <a:rPr lang="en-US" sz="2000" b="1" dirty="0">
                 <a:latin typeface="Times New Roman" panose="02020603050405020304" pitchFamily="18" charset="0"/>
                 <a:cs typeface="Times New Roman" panose="02020603050405020304" pitchFamily="18" charset="0"/>
               </a:rPr>
-              <a:t>1)</a:t>
-            </a:r>
-          </a:p>
-          <a:p>
+              <a:t>I want the documents asked for in </a:t>
+            </a:r>
+            <a:r>
+              <a:rPr lang="en-US" sz="2000" b="1">
+                <a:latin typeface="Times New Roman" panose="02020603050405020304" pitchFamily="18" charset="0"/>
+                <a:cs typeface="Times New Roman" panose="02020603050405020304" pitchFamily="18" charset="0"/>
+              </a:rPr>
+              <a:t>the emails. All </a:t>
+            </a:r>
             <a:r>
               <a:rPr lang="en-US" sz="2000" b="1" dirty="0">
                 <a:latin typeface="Times New Roman" panose="02020603050405020304" pitchFamily="18" charset="0"/>
                 <a:cs typeface="Times New Roman" panose="02020603050405020304" pitchFamily="18" charset="0"/>
               </a:rPr>
-              <a:t>Single Submission: Recorded PowerPoint + Slides or Written Report Paper. Explaining your analysis.</a:t>
-            </a:r>
-          </a:p>
-          <a:p>
+              <a:t>conclusions can be </a:t>
+            </a:r>
+            <a:r>
+              <a:rPr lang="en-US" sz="2000" b="1" i="1" dirty="0">
+                <a:latin typeface="Times New Roman" panose="02020603050405020304" pitchFamily="18" charset="0"/>
+                <a:cs typeface="Times New Roman" panose="02020603050405020304" pitchFamily="18" charset="0"/>
+              </a:rPr>
+              <a:t>shown</a:t>
+            </a:r>
             <a:r>
               <a:rPr lang="en-US" sz="2000" b="1" dirty="0">
                 <a:latin typeface="Times New Roman" panose="02020603050405020304" pitchFamily="18" charset="0"/>
                 <a:cs typeface="Times New Roman" panose="02020603050405020304" pitchFamily="18" charset="0"/>
               </a:rPr>
-              <a:t> </a:t>
-            </a:r>
+              <a:t> using plots. Defend your reasoning using math, scaling, etc. </a:t>
+            </a:r>
+          </a:p>
+          <a:p>
+            <a:r>
+              <a:rPr lang="en-US" sz="1600" b="1" dirty="0">
+                <a:latin typeface="Times New Roman" panose="02020603050405020304" pitchFamily="18" charset="0"/>
+                <a:cs typeface="Times New Roman" panose="02020603050405020304" pitchFamily="18" charset="0"/>
+              </a:rPr>
+              <a:t>Single Submission: Recorded PowerPoint w/Slides OR Written Report Paper. </a:t>
+            </a:r>
+          </a:p>
+          <a:p>
+            <a:r>
+              <a:rPr lang="en-US" sz="1600" b="1" dirty="0">
+                <a:latin typeface="Times New Roman" panose="02020603050405020304" pitchFamily="18" charset="0"/>
+                <a:cs typeface="Times New Roman" panose="02020603050405020304" pitchFamily="18" charset="0"/>
+              </a:rPr>
+              <a:t>Group Submission: Recorded Power Point AND Paper. </a:t>
+            </a:r>
+          </a:p>
+          <a:p>
+            <a:endParaRPr lang="en-US" sz="2400" b="1" dirty="0">
+              <a:latin typeface="Times New Roman" panose="02020603050405020304" pitchFamily="18" charset="0"/>
+              <a:cs typeface="Times New Roman" panose="02020603050405020304" pitchFamily="18" charset="0"/>
+            </a:endParaRPr>
           </a:p>
           <a:p>
             <a:r>
@@ -7539,22 +7586,7 @@
                 <a:latin typeface="Times New Roman" panose="02020603050405020304" pitchFamily="18" charset="0"/>
                 <a:cs typeface="Times New Roman" panose="02020603050405020304" pitchFamily="18" charset="0"/>
               </a:rPr>
-              <a:t>Group Submission: Recorded Power Point AND Paper. </a:t>
-            </a:r>
-          </a:p>
-          <a:p>
-            <a:endParaRPr lang="en-US" sz="2400" b="1" dirty="0">
-              <a:latin typeface="Times New Roman" panose="02020603050405020304" pitchFamily="18" charset="0"/>
-              <a:cs typeface="Times New Roman" panose="02020603050405020304" pitchFamily="18" charset="0"/>
-            </a:endParaRPr>
-          </a:p>
-          <a:p>
-            <a:r>
-              <a:rPr lang="en-US" sz="2000" b="1" dirty="0">
-                <a:latin typeface="Times New Roman" panose="02020603050405020304" pitchFamily="18" charset="0"/>
-                <a:cs typeface="Times New Roman" panose="02020603050405020304" pitchFamily="18" charset="0"/>
-              </a:rPr>
-              <a:t>2) Your excel sheet any analysis was done on. Include charts/graphs/curves that prove your conclusions. You are provided a 4 page excel sheet but just submit a single sheet combining all your analysis. </a:t>
+              <a:t>2) Your excel sheet any analysis was done on. Include charts/graphs/curves that prove your conclusions. You are provided a 4 page excel sheet but just submit a single sheet combining all your analysis. I also want all your slides.</a:t>
             </a:r>
           </a:p>
         </p:txBody>
@@ -7574,7 +7606,7 @@
         <p:spPr>
           <a:xfrm>
             <a:off x="6566452" y="428178"/>
-            <a:ext cx="5155096" cy="3785652"/>
+            <a:ext cx="5155096" cy="4154984"/>
           </a:xfrm>
           <a:prstGeom prst="rect">
             <a:avLst/>
@@ -7607,7 +7639,7 @@
                 <a:latin typeface="Times New Roman" panose="02020603050405020304" pitchFamily="18" charset="0"/>
                 <a:cs typeface="Times New Roman" panose="02020603050405020304" pitchFamily="18" charset="0"/>
               </a:rPr>
-              <a:t>Grading will basically be the exact same as project one. You will be graded on the clarity of your results. In an applied setting you have to prove to me beyond a reasonable doubt you’re analysis is correct.</a:t>
+              <a:t>Grading will basically be the exact same as project one. You will be graded on the clarity of your results. In an applied setting you have to prove to me beyond a reasonable doubt you’re analysis is correct. We are essentially lawyers of physics…</a:t>
             </a:r>
           </a:p>
           <a:p>
@@ -7617,6 +7649,94 @@
             </a:endParaRPr>
           </a:p>
           <a:p>
+            <a:endParaRPr lang="en-US" sz="2400" b="1" dirty="0">
+              <a:latin typeface="Times New Roman" panose="02020603050405020304" pitchFamily="18" charset="0"/>
+              <a:cs typeface="Times New Roman" panose="02020603050405020304" pitchFamily="18" charset="0"/>
+            </a:endParaRPr>
+          </a:p>
+        </p:txBody>
+      </p:sp>
+      <p:sp>
+        <p:nvSpPr>
+          <p:cNvPr id="4" name="TextBox 3">
+            <a:extLst>
+              <a:ext uri="{FF2B5EF4-FFF2-40B4-BE49-F238E27FC236}">
+                <a16:creationId xmlns:a16="http://schemas.microsoft.com/office/drawing/2014/main" id="{B5C9571E-6C9B-4849-B4D8-D7DD41E6D1D0}"/>
+              </a:ext>
+            </a:extLst>
+          </p:cNvPr>
+          <p:cNvSpPr txBox="1"/>
+          <p:nvPr/>
+        </p:nvSpPr>
+        <p:spPr>
+          <a:xfrm>
+            <a:off x="6566452" y="3925957"/>
+            <a:ext cx="4399722" cy="2062103"/>
+          </a:xfrm>
+          <a:prstGeom prst="rect">
+            <a:avLst/>
+          </a:prstGeom>
+          <a:noFill/>
+        </p:spPr>
+        <p:txBody>
+          <a:bodyPr wrap="square" rtlCol="0">
+            <a:spAutoFit/>
+          </a:bodyPr>
+          <a:lstStyle/>
+          <a:p>
+            <a:r>
+              <a:rPr lang="en-US" sz="2400" b="1" u="sng" dirty="0">
+                <a:latin typeface="Times New Roman" panose="02020603050405020304" pitchFamily="18" charset="0"/>
+                <a:cs typeface="Times New Roman" panose="02020603050405020304" pitchFamily="18" charset="0"/>
+              </a:rPr>
+              <a:t>Due Date</a:t>
+            </a:r>
+          </a:p>
+          <a:p>
+            <a:endParaRPr lang="en-US" sz="2400" b="1" dirty="0">
+              <a:latin typeface="Times New Roman" panose="02020603050405020304" pitchFamily="18" charset="0"/>
+              <a:cs typeface="Times New Roman" panose="02020603050405020304" pitchFamily="18" charset="0"/>
+            </a:endParaRPr>
+          </a:p>
+          <a:p>
+            <a:r>
+              <a:rPr lang="en-US" sz="2400" b="1" dirty="0">
+                <a:latin typeface="Times New Roman" panose="02020603050405020304" pitchFamily="18" charset="0"/>
+                <a:cs typeface="Times New Roman" panose="02020603050405020304" pitchFamily="18" charset="0"/>
+              </a:rPr>
+              <a:t>June 8</a:t>
+            </a:r>
+            <a:r>
+              <a:rPr lang="en-US" sz="2400" b="1" baseline="30000" dirty="0">
+                <a:latin typeface="Times New Roman" panose="02020603050405020304" pitchFamily="18" charset="0"/>
+                <a:cs typeface="Times New Roman" panose="02020603050405020304" pitchFamily="18" charset="0"/>
+              </a:rPr>
+              <a:t>th</a:t>
+            </a:r>
+          </a:p>
+          <a:p>
+            <a:endParaRPr lang="en-US" sz="2400" b="1" baseline="30000" dirty="0">
+              <a:latin typeface="Times New Roman" panose="02020603050405020304" pitchFamily="18" charset="0"/>
+              <a:cs typeface="Times New Roman" panose="02020603050405020304" pitchFamily="18" charset="0"/>
+            </a:endParaRPr>
+          </a:p>
+          <a:p>
+            <a:r>
+              <a:rPr lang="en-US" sz="2400" b="1" baseline="30000" dirty="0">
+                <a:latin typeface="Times New Roman" panose="02020603050405020304" pitchFamily="18" charset="0"/>
+                <a:cs typeface="Times New Roman" panose="02020603050405020304" pitchFamily="18" charset="0"/>
+              </a:rPr>
+              <a:t>2 Points Extra Credit Every Day Early</a:t>
+            </a:r>
+          </a:p>
+          <a:p>
+            <a:r>
+              <a:rPr lang="en-US" sz="2400" b="1" baseline="30000" dirty="0">
+                <a:latin typeface="Times New Roman" panose="02020603050405020304" pitchFamily="18" charset="0"/>
+                <a:cs typeface="Times New Roman" panose="02020603050405020304" pitchFamily="18" charset="0"/>
+              </a:rPr>
+              <a:t>2 Points Docked Everyday Late.</a:t>
+            </a:r>
             <a:endParaRPr lang="en-US" sz="2400" b="1" dirty="0">
               <a:latin typeface="Times New Roman" panose="02020603050405020304" pitchFamily="18" charset="0"/>
               <a:cs typeface="Times New Roman" panose="02020603050405020304" pitchFamily="18" charset="0"/>
@@ -7684,21 +7804,21 @@
           <a:p>
             <a:r>
               <a:rPr lang="en-US" dirty="0"/>
-              <a:t>A Student Does…</a:t>
+              <a:t>A Grade Student Does…</a:t>
             </a:r>
           </a:p>
           <a:p>
             <a:pPr lvl="1"/>
             <a:r>
               <a:rPr lang="en-US" dirty="0"/>
-              <a:t>You deliver all the information asked for in the vague emails. This demonstrates you have the ability to not be useless if a problem isn’t stated in perfectly defined textbook academic fantasy land terms.</a:t>
+              <a:t>You deliver all the information asked for in the vague emails. This demonstrates you have the ability to not be a useless engineer if a problem isn’t stated in perfectly defined textbook academic fantasy land terms.</a:t>
             </a:r>
           </a:p>
           <a:p>
             <a:pPr lvl="1"/>
             <a:r>
               <a:rPr lang="en-US" dirty="0"/>
-              <a:t>You plots are easy to understand and clear conclusions can be drawn from them. </a:t>
+              <a:t>Your plots are easy to understand and clear conclusions can be drawn from them. </a:t>
             </a:r>
           </a:p>
           <a:p>
@@ -7742,7 +7862,11 @@
             </a:r>
             <a:r>
               <a:rPr lang="en-US" dirty="0"/>
-              <a:t> statistics in your analysis since everything is coming from raw data for this project. </a:t>
+              <a:t> statistics in your analysis since everything is coming from raw data for this project.</a:t>
+            </a:r>
+            <a:r>
+              <a:rPr lang="en-US" sz="1400" dirty="0"/>
+              <a:t> Nothing super fancy, just basic stuff.</a:t>
             </a:r>
           </a:p>
           <a:p>
@@ -7765,8 +7889,13 @@
             </a:r>
             <a:r>
               <a:rPr lang="en-US" dirty="0"/>
-              <a:t> optimize (A+)</a:t>
-            </a:r>
+              <a:t> optimize (A+) </a:t>
+            </a:r>
+            <a:r>
+              <a:rPr lang="en-US" sz="1400" dirty="0"/>
+              <a:t>this means I’m okay if you just guess and check but that above and beyond gets the gold.</a:t>
+            </a:r>
+            <a:endParaRPr lang="en-US" dirty="0"/>
           </a:p>
           <a:p>
             <a:pPr lvl="1"/>

--- a/projects/Project-2.pptx
+++ b/projects/Project-2.pptx
@@ -9,6 +9,7 @@
     <p:sldId id="258" r:id="rId3"/>
     <p:sldId id="257" r:id="rId4"/>
     <p:sldId id="259" r:id="rId5"/>
+    <p:sldId id="260" r:id="rId6"/>
   </p:sldIdLst>
   <p:sldSz cx="12192000" cy="6858000"/>
   <p:notesSz cx="6858000" cy="9144000"/>
@@ -7489,7 +7490,7 @@
         <p:spPr>
           <a:xfrm>
             <a:off x="470452" y="428178"/>
-            <a:ext cx="5155096" cy="4708981"/>
+            <a:ext cx="5155096" cy="6001643"/>
           </a:xfrm>
           <a:prstGeom prst="rect">
             <a:avLst/>
@@ -7525,21 +7526,7 @@
                 <a:latin typeface="Times New Roman" panose="02020603050405020304" pitchFamily="18" charset="0"/>
                 <a:cs typeface="Times New Roman" panose="02020603050405020304" pitchFamily="18" charset="0"/>
               </a:rPr>
-              <a:t>I want the documents asked for in </a:t>
-            </a:r>
-            <a:r>
-              <a:rPr lang="en-US" sz="2000" b="1">
-                <a:latin typeface="Times New Roman" panose="02020603050405020304" pitchFamily="18" charset="0"/>
-                <a:cs typeface="Times New Roman" panose="02020603050405020304" pitchFamily="18" charset="0"/>
-              </a:rPr>
-              <a:t>the emails. All </a:t>
-            </a:r>
-            <a:r>
-              <a:rPr lang="en-US" sz="2000" b="1" dirty="0">
-                <a:latin typeface="Times New Roman" panose="02020603050405020304" pitchFamily="18" charset="0"/>
-                <a:cs typeface="Times New Roman" panose="02020603050405020304" pitchFamily="18" charset="0"/>
-              </a:rPr>
-              <a:t>conclusions can be </a:t>
+              <a:t>I want the documents asked for in the emails. All conclusions can be </a:t>
             </a:r>
             <a:r>
               <a:rPr lang="en-US" sz="2000" b="1" i="1" dirty="0">
@@ -7557,21 +7544,84 @@
             </a:r>
           </a:p>
           <a:p>
+            <a:endParaRPr lang="en-US" sz="2000" b="1" dirty="0">
+              <a:latin typeface="Times New Roman" panose="02020603050405020304" pitchFamily="18" charset="0"/>
+              <a:cs typeface="Times New Roman" panose="02020603050405020304" pitchFamily="18" charset="0"/>
+            </a:endParaRPr>
+          </a:p>
+          <a:p>
+            <a:r>
+              <a:rPr lang="en-US" sz="1600" b="1" u="sng" dirty="0">
+                <a:latin typeface="Times New Roman" panose="02020603050405020304" pitchFamily="18" charset="0"/>
+                <a:cs typeface="Times New Roman" panose="02020603050405020304" pitchFamily="18" charset="0"/>
+              </a:rPr>
+              <a:t>Single Submission</a:t>
+            </a:r>
             <a:r>
               <a:rPr lang="en-US" sz="1600" b="1" dirty="0">
                 <a:latin typeface="Times New Roman" panose="02020603050405020304" pitchFamily="18" charset="0"/>
                 <a:cs typeface="Times New Roman" panose="02020603050405020304" pitchFamily="18" charset="0"/>
               </a:rPr>
-              <a:t>Single Submission: Recorded PowerPoint w/Slides OR Written Report Paper. </a:t>
-            </a:r>
-          </a:p>
-          <a:p>
+              <a:t>: Recorded PowerPoint w/Slides OR Written Report Paper. </a:t>
+            </a:r>
+          </a:p>
+          <a:p>
+            <a:endParaRPr lang="en-US" sz="1600" b="1" dirty="0">
+              <a:latin typeface="Times New Roman" panose="02020603050405020304" pitchFamily="18" charset="0"/>
+              <a:cs typeface="Times New Roman" panose="02020603050405020304" pitchFamily="18" charset="0"/>
+            </a:endParaRPr>
+          </a:p>
+          <a:p>
+            <a:r>
+              <a:rPr lang="en-US" sz="1600" b="1" u="sng" dirty="0">
+                <a:latin typeface="Times New Roman" panose="02020603050405020304" pitchFamily="18" charset="0"/>
+                <a:cs typeface="Times New Roman" panose="02020603050405020304" pitchFamily="18" charset="0"/>
+              </a:rPr>
+              <a:t>Group Submission</a:t>
+            </a:r>
             <a:r>
               <a:rPr lang="en-US" sz="1600" b="1" dirty="0">
                 <a:latin typeface="Times New Roman" panose="02020603050405020304" pitchFamily="18" charset="0"/>
                 <a:cs typeface="Times New Roman" panose="02020603050405020304" pitchFamily="18" charset="0"/>
               </a:rPr>
-              <a:t>Group Submission: Recorded Power Point AND Paper. </a:t>
+              <a:t>: Recorded Power Point AND Paper.</a:t>
+            </a:r>
+          </a:p>
+          <a:p>
+            <a:r>
+              <a:rPr lang="en-US" sz="1600" b="1" dirty="0">
+                <a:latin typeface="Times New Roman" panose="02020603050405020304" pitchFamily="18" charset="0"/>
+                <a:cs typeface="Times New Roman" panose="02020603050405020304" pitchFamily="18" charset="0"/>
+              </a:rPr>
+              <a:t>Your </a:t>
+            </a:r>
+            <a:r>
+              <a:rPr lang="en-US" sz="1600" b="1" u="sng" dirty="0">
+                <a:latin typeface="Times New Roman" panose="02020603050405020304" pitchFamily="18" charset="0"/>
+                <a:cs typeface="Times New Roman" panose="02020603050405020304" pitchFamily="18" charset="0"/>
+              </a:rPr>
+              <a:t>scribes</a:t>
+            </a:r>
+            <a:r>
+              <a:rPr lang="en-US" sz="1600" b="1" dirty="0">
+                <a:latin typeface="Times New Roman" panose="02020603050405020304" pitchFamily="18" charset="0"/>
+                <a:cs typeface="Times New Roman" panose="02020603050405020304" pitchFamily="18" charset="0"/>
+              </a:rPr>
+              <a:t> have an extra role as well! They have to document the project and turn in the </a:t>
+            </a:r>
+            <a:r>
+              <a:rPr lang="en-US" sz="1600" b="1" i="1" dirty="0">
+                <a:latin typeface="Times New Roman" panose="02020603050405020304" pitchFamily="18" charset="0"/>
+                <a:cs typeface="Times New Roman" panose="02020603050405020304" pitchFamily="18" charset="0"/>
+              </a:rPr>
+              <a:t>project diary</a:t>
+            </a:r>
+            <a:r>
+              <a:rPr lang="en-US" sz="1600" b="1" dirty="0">
+                <a:latin typeface="Times New Roman" panose="02020603050405020304" pitchFamily="18" charset="0"/>
+                <a:cs typeface="Times New Roman" panose="02020603050405020304" pitchFamily="18" charset="0"/>
+              </a:rPr>
+              <a:t> at the end. </a:t>
             </a:r>
           </a:p>
           <a:p>
@@ -7919,6 +7969,185 @@
     <p:extLst>
       <p:ext uri="{BB962C8B-B14F-4D97-AF65-F5344CB8AC3E}">
         <p14:creationId xmlns:p14="http://schemas.microsoft.com/office/powerpoint/2010/main" val="63134520"/>
+      </p:ext>
+    </p:extLst>
+  </p:cSld>
+  <p:clrMapOvr>
+    <a:masterClrMapping/>
+  </p:clrMapOvr>
+</p:sld>
+</file>
+
+<file path=ppt/slides/slide5.xml><?xml version="1.0" encoding="utf-8"?>
+<p:sld xmlns:a="http://schemas.openxmlformats.org/drawingml/2006/main" xmlns:r="http://schemas.openxmlformats.org/officeDocument/2006/relationships" xmlns:p="http://schemas.openxmlformats.org/presentationml/2006/main">
+  <p:cSld>
+    <p:spTree>
+      <p:nvGrpSpPr>
+        <p:cNvPr id="1" name=""/>
+        <p:cNvGrpSpPr/>
+        <p:nvPr/>
+      </p:nvGrpSpPr>
+      <p:grpSpPr>
+        <a:xfrm>
+          <a:off x="0" y="0"/>
+          <a:ext cx="0" cy="0"/>
+          <a:chOff x="0" y="0"/>
+          <a:chExt cx="0" cy="0"/>
+        </a:xfrm>
+      </p:grpSpPr>
+      <p:sp>
+        <p:nvSpPr>
+          <p:cNvPr id="2" name="Title 1">
+            <a:extLst>
+              <a:ext uri="{FF2B5EF4-FFF2-40B4-BE49-F238E27FC236}">
+                <a16:creationId xmlns:a16="http://schemas.microsoft.com/office/drawing/2014/main" id="{519C3452-D90B-49BD-8607-36E69B87BAEB}"/>
+              </a:ext>
+            </a:extLst>
+          </p:cNvPr>
+          <p:cNvSpPr>
+            <a:spLocks noGrp="1"/>
+          </p:cNvSpPr>
+          <p:nvPr>
+            <p:ph type="title"/>
+          </p:nvPr>
+        </p:nvSpPr>
+        <p:spPr>
+          <a:xfrm>
+            <a:off x="838200" y="365126"/>
+            <a:ext cx="10515600" cy="519458"/>
+          </a:xfrm>
+        </p:spPr>
+        <p:txBody>
+          <a:bodyPr>
+            <a:normAutofit fontScale="90000"/>
+          </a:bodyPr>
+          <a:lstStyle/>
+          <a:p>
+            <a:r>
+              <a:rPr lang="en-US" dirty="0"/>
+              <a:t>Group Submissions</a:t>
+            </a:r>
+          </a:p>
+        </p:txBody>
+      </p:sp>
+      <p:sp>
+        <p:nvSpPr>
+          <p:cNvPr id="3" name="Content Placeholder 2">
+            <a:extLst>
+              <a:ext uri="{FF2B5EF4-FFF2-40B4-BE49-F238E27FC236}">
+                <a16:creationId xmlns:a16="http://schemas.microsoft.com/office/drawing/2014/main" id="{7A490672-4937-4817-8415-D3D167057AFE}"/>
+              </a:ext>
+            </a:extLst>
+          </p:cNvPr>
+          <p:cNvSpPr>
+            <a:spLocks noGrp="1"/>
+          </p:cNvSpPr>
+          <p:nvPr>
+            <p:ph idx="1"/>
+          </p:nvPr>
+        </p:nvSpPr>
+        <p:spPr>
+          <a:xfrm>
+            <a:off x="838200" y="884583"/>
+            <a:ext cx="10515600" cy="5436703"/>
+          </a:xfrm>
+        </p:spPr>
+        <p:txBody>
+          <a:bodyPr>
+            <a:normAutofit lnSpcReduction="10000"/>
+          </a:bodyPr>
+          <a:lstStyle/>
+          <a:p>
+            <a:r>
+              <a:rPr lang="en-US" dirty="0"/>
+              <a:t>You can keep the same group but you have to change roles. Basically same roles but I’ll lay it out again. </a:t>
+            </a:r>
+          </a:p>
+          <a:p>
+            <a:r>
+              <a:rPr lang="en-US" dirty="0"/>
+              <a:t>Team Lead (1)</a:t>
+            </a:r>
+          </a:p>
+          <a:p>
+            <a:pPr lvl="1"/>
+            <a:r>
+              <a:rPr lang="en-US" dirty="0"/>
+              <a:t>Presents Power Point, keeps team on track, edits/proof reads any docs, thinks </a:t>
+            </a:r>
+            <a:r>
+              <a:rPr lang="en-US" i="1" dirty="0"/>
+              <a:t>big picture </a:t>
+            </a:r>
+            <a:r>
+              <a:rPr lang="en-US" dirty="0"/>
+              <a:t>doesn’t waste time with detailed calculations, lowest grade of team of poor performance.  </a:t>
+            </a:r>
+          </a:p>
+          <a:p>
+            <a:r>
+              <a:rPr lang="en-US" dirty="0"/>
+              <a:t>Technical Analysts (1-3)</a:t>
+            </a:r>
+          </a:p>
+          <a:p>
+            <a:pPr lvl="1"/>
+            <a:r>
+              <a:rPr lang="en-US" dirty="0"/>
+              <a:t>The detailed calculators, create plots for scribes, presents technical concerns to the team lead about data, </a:t>
+            </a:r>
+          </a:p>
+          <a:p>
+            <a:r>
+              <a:rPr lang="en-US" dirty="0"/>
+              <a:t>Scribes(1-3)</a:t>
+            </a:r>
+          </a:p>
+          <a:p>
+            <a:pPr lvl="1"/>
+            <a:r>
+              <a:rPr lang="en-US" dirty="0"/>
+              <a:t>Writes and compiles actual written documents to be turned in, thinks about crafting the story and not the technical details (understands them roughly from speaking and listening in meetings though), </a:t>
+            </a:r>
+            <a:r>
+              <a:rPr lang="en-US" i="1" dirty="0"/>
+              <a:t>takes notes during any meetings to compile a </a:t>
+            </a:r>
+            <a:r>
+              <a:rPr lang="en-US" i="1" u="sng" dirty="0"/>
+              <a:t>project journal </a:t>
+            </a:r>
+            <a:r>
+              <a:rPr lang="en-US" i="1" dirty="0"/>
+              <a:t>to be turned in at the end </a:t>
+            </a:r>
+            <a:r>
+              <a:rPr lang="en-US" dirty="0"/>
+              <a:t>(this is new!)</a:t>
+            </a:r>
+          </a:p>
+          <a:p>
+            <a:pPr lvl="1"/>
+            <a:endParaRPr lang="en-US" dirty="0"/>
+          </a:p>
+          <a:p>
+            <a:pPr marL="457200" lvl="1" indent="0">
+              <a:buNone/>
+            </a:pPr>
+            <a:endParaRPr lang="en-US" dirty="0"/>
+          </a:p>
+          <a:p>
+            <a:pPr marL="457200" lvl="1" indent="0">
+              <a:buNone/>
+            </a:pPr>
+            <a:endParaRPr lang="en-US" dirty="0"/>
+          </a:p>
+        </p:txBody>
+      </p:sp>
+    </p:spTree>
+    <p:extLst>
+      <p:ext uri="{BB962C8B-B14F-4D97-AF65-F5344CB8AC3E}">
+        <p14:creationId xmlns:p14="http://schemas.microsoft.com/office/powerpoint/2010/main" val="1500313324"/>
       </p:ext>
     </p:extLst>
   </p:cSld>

--- a/projects/Project-2.pptx
+++ b/projects/Project-2.pptx
@@ -263,7 +263,7 @@
           <a:p>
             <a:fld id="{274909C0-5740-45AC-BAE0-125CCC121810}" type="datetimeFigureOut">
               <a:rPr lang="en-US" smtClean="0"/>
-              <a:t>4/30/2020</a:t>
+              <a:t>5/1/2020</a:t>
             </a:fld>
             <a:endParaRPr lang="en-US"/>
           </a:p>
@@ -461,7 +461,7 @@
           <a:p>
             <a:fld id="{274909C0-5740-45AC-BAE0-125CCC121810}" type="datetimeFigureOut">
               <a:rPr lang="en-US" smtClean="0"/>
-              <a:t>4/30/2020</a:t>
+              <a:t>5/1/2020</a:t>
             </a:fld>
             <a:endParaRPr lang="en-US"/>
           </a:p>
@@ -669,7 +669,7 @@
           <a:p>
             <a:fld id="{274909C0-5740-45AC-BAE0-125CCC121810}" type="datetimeFigureOut">
               <a:rPr lang="en-US" smtClean="0"/>
-              <a:t>4/30/2020</a:t>
+              <a:t>5/1/2020</a:t>
             </a:fld>
             <a:endParaRPr lang="en-US"/>
           </a:p>
@@ -867,7 +867,7 @@
           <a:p>
             <a:fld id="{274909C0-5740-45AC-BAE0-125CCC121810}" type="datetimeFigureOut">
               <a:rPr lang="en-US" smtClean="0"/>
-              <a:t>4/30/2020</a:t>
+              <a:t>5/1/2020</a:t>
             </a:fld>
             <a:endParaRPr lang="en-US"/>
           </a:p>
@@ -1142,7 +1142,7 @@
           <a:p>
             <a:fld id="{274909C0-5740-45AC-BAE0-125CCC121810}" type="datetimeFigureOut">
               <a:rPr lang="en-US" smtClean="0"/>
-              <a:t>4/30/2020</a:t>
+              <a:t>5/1/2020</a:t>
             </a:fld>
             <a:endParaRPr lang="en-US"/>
           </a:p>
@@ -1407,7 +1407,7 @@
           <a:p>
             <a:fld id="{274909C0-5740-45AC-BAE0-125CCC121810}" type="datetimeFigureOut">
               <a:rPr lang="en-US" smtClean="0"/>
-              <a:t>4/30/2020</a:t>
+              <a:t>5/1/2020</a:t>
             </a:fld>
             <a:endParaRPr lang="en-US"/>
           </a:p>
@@ -1819,7 +1819,7 @@
           <a:p>
             <a:fld id="{274909C0-5740-45AC-BAE0-125CCC121810}" type="datetimeFigureOut">
               <a:rPr lang="en-US" smtClean="0"/>
-              <a:t>4/30/2020</a:t>
+              <a:t>5/1/2020</a:t>
             </a:fld>
             <a:endParaRPr lang="en-US"/>
           </a:p>
@@ -1960,7 +1960,7 @@
           <a:p>
             <a:fld id="{274909C0-5740-45AC-BAE0-125CCC121810}" type="datetimeFigureOut">
               <a:rPr lang="en-US" smtClean="0"/>
-              <a:t>4/30/2020</a:t>
+              <a:t>5/1/2020</a:t>
             </a:fld>
             <a:endParaRPr lang="en-US"/>
           </a:p>
@@ -2073,7 +2073,7 @@
           <a:p>
             <a:fld id="{274909C0-5740-45AC-BAE0-125CCC121810}" type="datetimeFigureOut">
               <a:rPr lang="en-US" smtClean="0"/>
-              <a:t>4/30/2020</a:t>
+              <a:t>5/1/2020</a:t>
             </a:fld>
             <a:endParaRPr lang="en-US"/>
           </a:p>
@@ -2384,7 +2384,7 @@
           <a:p>
             <a:fld id="{274909C0-5740-45AC-BAE0-125CCC121810}" type="datetimeFigureOut">
               <a:rPr lang="en-US" smtClean="0"/>
-              <a:t>4/30/2020</a:t>
+              <a:t>5/1/2020</a:t>
             </a:fld>
             <a:endParaRPr lang="en-US"/>
           </a:p>
@@ -2672,7 +2672,7 @@
           <a:p>
             <a:fld id="{274909C0-5740-45AC-BAE0-125CCC121810}" type="datetimeFigureOut">
               <a:rPr lang="en-US" smtClean="0"/>
-              <a:t>4/30/2020</a:t>
+              <a:t>5/1/2020</a:t>
             </a:fld>
             <a:endParaRPr lang="en-US"/>
           </a:p>
@@ -2913,7 +2913,7 @@
           <a:p>
             <a:fld id="{274909C0-5740-45AC-BAE0-125CCC121810}" type="datetimeFigureOut">
               <a:rPr lang="en-US" smtClean="0"/>
-              <a:t>4/30/2020</a:t>
+              <a:t>5/1/2020</a:t>
             </a:fld>
             <a:endParaRPr lang="en-US"/>
           </a:p>
@@ -7292,8 +7292,8 @@
         </p:nvSpPr>
         <p:spPr>
           <a:xfrm>
-            <a:off x="530088" y="583786"/>
-            <a:ext cx="6569766" cy="6063198"/>
+            <a:off x="530088" y="289679"/>
+            <a:ext cx="6569766" cy="6278642"/>
           </a:xfrm>
           <a:prstGeom prst="rect">
             <a:avLst/>
@@ -7387,7 +7387,7 @@
                 <a:latin typeface="Times New Roman" panose="02020603050405020304" pitchFamily="18" charset="0"/>
                 <a:cs typeface="Times New Roman" panose="02020603050405020304" pitchFamily="18" charset="0"/>
               </a:rPr>
-              <a:t>	A former marine and a hell of an engineer. He cut his teeth in the air-force as  	a flight mechanic for apache helicopters before college and then work. He 	thinks out of the box and has come up with a series of notes describing a 	new method of pump selection given combustion data. </a:t>
+              <a:t>	A former marine and a hell of an engineer. He cut his teeth in the air-force as  	a flight mechanic for apache helicopters before college and then work. He 	thinks out of the box and has come up with several innovative design 	methods the company has profited off of. </a:t>
             </a:r>
           </a:p>
           <a:p>
@@ -7425,7 +7425,7 @@
                 <a:latin typeface="Times New Roman" panose="02020603050405020304" pitchFamily="18" charset="0"/>
                 <a:cs typeface="Times New Roman" panose="02020603050405020304" pitchFamily="18" charset="0"/>
               </a:rPr>
-              <a:t> at Stanford, not the most vocal 	engineer. He has developed fuel additives that have increased yields twice in 	his career. He is a great resource for properties of the fuel and measurement 	methods.</a:t>
+              <a:t> at Stanford, not the most vocal 	engineer. He has developed fuel additives that have increased yields twice in 	his career. He is a great resource for properties of the fuel and measurement 	methods. He always delivers data with a warning header saying “Quantify 	Error When In Use.”</a:t>
             </a:r>
           </a:p>
           <a:p>
@@ -8094,7 +8094,7 @@
             <a:pPr lvl="1"/>
             <a:r>
               <a:rPr lang="en-US" dirty="0"/>
-              <a:t>The detailed calculators, create plots for scribes, presents technical concerns to the team lead about data, </a:t>
+              <a:t>The detailed calculators, create plots for scribes, presents technical concerns to the team lead about data.</a:t>
             </a:r>
           </a:p>
           <a:p>
